--- a/Modularity/Mod_examples_5_figure.pptx
+++ b/Modularity/Mod_examples_5_figure.pptx
@@ -105,6 +105,11 @@
       </a:defRPr>
     </a:lvl9pPr>
   </p:defaultTextStyle>
+  <p:extLst>
+    <p:ext uri="{EFAFB233-063F-42B5-8137-9DF3F51BA10A}">
+      <p15:sldGuideLst xmlns:p15="http://schemas.microsoft.com/office/powerpoint/2012/main"/>
+    </p:ext>
+  </p:extLst>
 </p:presentation>
 </file>
 
@@ -255,7 +260,7 @@
           <a:p>
             <a:fld id="{A8F1694D-2E81-4A2F-87CD-C7D9B706243C}" type="datetimeFigureOut">
               <a:rPr lang="en-US" smtClean="0"/>
-              <a:t>12/6/2023</a:t>
+              <a:t>12/20/2023</a:t>
             </a:fld>
             <a:endParaRPr lang="en-US"/>
           </a:p>
@@ -453,7 +458,7 @@
           <a:p>
             <a:fld id="{A8F1694D-2E81-4A2F-87CD-C7D9B706243C}" type="datetimeFigureOut">
               <a:rPr lang="en-US" smtClean="0"/>
-              <a:t>12/6/2023</a:t>
+              <a:t>12/20/2023</a:t>
             </a:fld>
             <a:endParaRPr lang="en-US"/>
           </a:p>
@@ -661,7 +666,7 @@
           <a:p>
             <a:fld id="{A8F1694D-2E81-4A2F-87CD-C7D9B706243C}" type="datetimeFigureOut">
               <a:rPr lang="en-US" smtClean="0"/>
-              <a:t>12/6/2023</a:t>
+              <a:t>12/20/2023</a:t>
             </a:fld>
             <a:endParaRPr lang="en-US"/>
           </a:p>
@@ -859,7 +864,7 @@
           <a:p>
             <a:fld id="{A8F1694D-2E81-4A2F-87CD-C7D9B706243C}" type="datetimeFigureOut">
               <a:rPr lang="en-US" smtClean="0"/>
-              <a:t>12/6/2023</a:t>
+              <a:t>12/20/2023</a:t>
             </a:fld>
             <a:endParaRPr lang="en-US"/>
           </a:p>
@@ -1134,7 +1139,7 @@
           <a:p>
             <a:fld id="{A8F1694D-2E81-4A2F-87CD-C7D9B706243C}" type="datetimeFigureOut">
               <a:rPr lang="en-US" smtClean="0"/>
-              <a:t>12/6/2023</a:t>
+              <a:t>12/20/2023</a:t>
             </a:fld>
             <a:endParaRPr lang="en-US"/>
           </a:p>
@@ -1399,7 +1404,7 @@
           <a:p>
             <a:fld id="{A8F1694D-2E81-4A2F-87CD-C7D9B706243C}" type="datetimeFigureOut">
               <a:rPr lang="en-US" smtClean="0"/>
-              <a:t>12/6/2023</a:t>
+              <a:t>12/20/2023</a:t>
             </a:fld>
             <a:endParaRPr lang="en-US"/>
           </a:p>
@@ -1811,7 +1816,7 @@
           <a:p>
             <a:fld id="{A8F1694D-2E81-4A2F-87CD-C7D9B706243C}" type="datetimeFigureOut">
               <a:rPr lang="en-US" smtClean="0"/>
-              <a:t>12/6/2023</a:t>
+              <a:t>12/20/2023</a:t>
             </a:fld>
             <a:endParaRPr lang="en-US"/>
           </a:p>
@@ -1952,7 +1957,7 @@
           <a:p>
             <a:fld id="{A8F1694D-2E81-4A2F-87CD-C7D9B706243C}" type="datetimeFigureOut">
               <a:rPr lang="en-US" smtClean="0"/>
-              <a:t>12/6/2023</a:t>
+              <a:t>12/20/2023</a:t>
             </a:fld>
             <a:endParaRPr lang="en-US"/>
           </a:p>
@@ -2065,7 +2070,7 @@
           <a:p>
             <a:fld id="{A8F1694D-2E81-4A2F-87CD-C7D9B706243C}" type="datetimeFigureOut">
               <a:rPr lang="en-US" smtClean="0"/>
-              <a:t>12/6/2023</a:t>
+              <a:t>12/20/2023</a:t>
             </a:fld>
             <a:endParaRPr lang="en-US"/>
           </a:p>
@@ -2376,7 +2381,7 @@
           <a:p>
             <a:fld id="{A8F1694D-2E81-4A2F-87CD-C7D9B706243C}" type="datetimeFigureOut">
               <a:rPr lang="en-US" smtClean="0"/>
-              <a:t>12/6/2023</a:t>
+              <a:t>12/20/2023</a:t>
             </a:fld>
             <a:endParaRPr lang="en-US"/>
           </a:p>
@@ -2664,7 +2669,7 @@
           <a:p>
             <a:fld id="{A8F1694D-2E81-4A2F-87CD-C7D9B706243C}" type="datetimeFigureOut">
               <a:rPr lang="en-US" smtClean="0"/>
-              <a:t>12/6/2023</a:t>
+              <a:t>12/20/2023</a:t>
             </a:fld>
             <a:endParaRPr lang="en-US"/>
           </a:p>
@@ -2905,7 +2910,7 @@
           <a:p>
             <a:fld id="{A8F1694D-2E81-4A2F-87CD-C7D9B706243C}" type="datetimeFigureOut">
               <a:rPr lang="en-US" smtClean="0"/>
-              <a:t>12/6/2023</a:t>
+              <a:t>12/20/2023</a:t>
             </a:fld>
             <a:endParaRPr lang="en-US"/>
           </a:p>
@@ -3395,7 +3400,7 @@
                     <a:srgbClr val="FF0000"/>
                   </a:solidFill>
                 </a:rPr>
-                <a:t>6</a:t>
+                <a:t>D</a:t>
               </a:r>
             </a:p>
           </p:txBody>
@@ -3453,7 +3458,7 @@
                     <a:srgbClr val="7030A0"/>
                   </a:solidFill>
                 </a:rPr>
-                <a:t>1</a:t>
+                <a:t>A</a:t>
               </a:r>
             </a:p>
           </p:txBody>
@@ -3511,7 +3516,7 @@
                     <a:srgbClr val="03E2ED"/>
                   </a:solidFill>
                 </a:rPr>
-                <a:t>5</a:t>
+                <a:t>F</a:t>
               </a:r>
             </a:p>
           </p:txBody>
@@ -3569,7 +3574,7 @@
                     <a:srgbClr val="E127CB"/>
                   </a:solidFill>
                 </a:rPr>
-                <a:t>4</a:t>
+                <a:t>E</a:t>
               </a:r>
             </a:p>
           </p:txBody>
@@ -3627,7 +3632,7 @@
                     <a:srgbClr val="00B050"/>
                   </a:solidFill>
                 </a:rPr>
-                <a:t>2</a:t>
+                <a:t>B</a:t>
               </a:r>
             </a:p>
           </p:txBody>
@@ -3685,7 +3690,7 @@
                     <a:srgbClr val="C00000"/>
                   </a:solidFill>
                 </a:rPr>
-                <a:t>3</a:t>
+                <a:t>C</a:t>
               </a:r>
             </a:p>
           </p:txBody>
@@ -6090,8 +6095,8 @@
         </p:nvSpPr>
         <p:spPr>
           <a:xfrm>
-            <a:off x="296334" y="101601"/>
-            <a:ext cx="1924951" cy="369332"/>
+            <a:off x="417494" y="105591"/>
+            <a:ext cx="2556469" cy="461665"/>
           </a:xfrm>
           <a:prstGeom prst="rect">
             <a:avLst/>
@@ -6105,7 +6110,7 @@
           <a:lstStyle/>
           <a:p>
             <a:r>
-              <a:rPr lang="en-US" dirty="0"/>
+              <a:rPr lang="en-US" sz="2400" b="1" dirty="0"/>
               <a:t>Example Hierarchy</a:t>
             </a:r>
           </a:p>
@@ -6125,7 +6130,7 @@
         </p:nvSpPr>
         <p:spPr>
           <a:xfrm>
-            <a:off x="838009" y="3479153"/>
+            <a:off x="825736" y="4359544"/>
             <a:ext cx="249382" cy="230909"/>
           </a:xfrm>
           <a:prstGeom prst="ellipse">
@@ -6177,7 +6182,7 @@
         </p:nvSpPr>
         <p:spPr>
           <a:xfrm>
-            <a:off x="475375" y="3487215"/>
+            <a:off x="463102" y="4367606"/>
             <a:ext cx="249382" cy="230909"/>
           </a:xfrm>
           <a:prstGeom prst="ellipse">
@@ -6229,7 +6234,7 @@
         </p:nvSpPr>
         <p:spPr>
           <a:xfrm>
-            <a:off x="116420" y="3471380"/>
+            <a:off x="104147" y="4351771"/>
             <a:ext cx="249382" cy="230909"/>
           </a:xfrm>
           <a:prstGeom prst="ellipse">
@@ -6281,7 +6286,7 @@
         </p:nvSpPr>
         <p:spPr>
           <a:xfrm>
-            <a:off x="1914960" y="3111232"/>
+            <a:off x="1902687" y="3991623"/>
             <a:ext cx="249382" cy="230909"/>
           </a:xfrm>
           <a:prstGeom prst="ellipse">
@@ -6333,7 +6338,7 @@
         </p:nvSpPr>
         <p:spPr>
           <a:xfrm>
-            <a:off x="1552326" y="3119294"/>
+            <a:off x="1540053" y="3999685"/>
             <a:ext cx="249382" cy="230909"/>
           </a:xfrm>
           <a:prstGeom prst="ellipse">
@@ -6385,7 +6390,7 @@
         </p:nvSpPr>
         <p:spPr>
           <a:xfrm>
-            <a:off x="1193371" y="3103459"/>
+            <a:off x="1181098" y="3983850"/>
             <a:ext cx="249382" cy="230909"/>
           </a:xfrm>
           <a:prstGeom prst="ellipse">
@@ -6437,7 +6442,7 @@
         </p:nvSpPr>
         <p:spPr>
           <a:xfrm>
-            <a:off x="2941296" y="3484022"/>
+            <a:off x="2929023" y="4364413"/>
             <a:ext cx="249382" cy="230909"/>
           </a:xfrm>
           <a:prstGeom prst="ellipse">
@@ -6489,7 +6494,7 @@
         </p:nvSpPr>
         <p:spPr>
           <a:xfrm>
-            <a:off x="2578662" y="3492084"/>
+            <a:off x="2566389" y="4372475"/>
             <a:ext cx="249382" cy="230909"/>
           </a:xfrm>
           <a:prstGeom prst="ellipse">
@@ -6541,7 +6546,7 @@
         </p:nvSpPr>
         <p:spPr>
           <a:xfrm>
-            <a:off x="2219707" y="3476249"/>
+            <a:off x="2207434" y="4356640"/>
             <a:ext cx="249382" cy="230909"/>
           </a:xfrm>
           <a:prstGeom prst="ellipse">
@@ -6593,7 +6598,7 @@
         </p:nvSpPr>
         <p:spPr>
           <a:xfrm>
-            <a:off x="4397257" y="3103459"/>
+            <a:off x="4384984" y="3983850"/>
             <a:ext cx="249382" cy="230909"/>
           </a:xfrm>
           <a:prstGeom prst="ellipse">
@@ -6642,7 +6647,7 @@
         </p:nvSpPr>
         <p:spPr>
           <a:xfrm>
-            <a:off x="4034623" y="3111521"/>
+            <a:off x="4022350" y="3991912"/>
             <a:ext cx="249382" cy="230909"/>
           </a:xfrm>
           <a:prstGeom prst="ellipse">
@@ -6691,7 +6696,7 @@
         </p:nvSpPr>
         <p:spPr>
           <a:xfrm>
-            <a:off x="3675668" y="3095686"/>
+            <a:off x="3663395" y="3976077"/>
             <a:ext cx="249382" cy="230909"/>
           </a:xfrm>
           <a:prstGeom prst="ellipse">
@@ -6740,7 +6745,7 @@
         </p:nvSpPr>
         <p:spPr>
           <a:xfrm>
-            <a:off x="5457575" y="3495982"/>
+            <a:off x="5445302" y="4376373"/>
             <a:ext cx="249382" cy="230909"/>
           </a:xfrm>
           <a:prstGeom prst="ellipse">
@@ -6789,7 +6794,7 @@
         </p:nvSpPr>
         <p:spPr>
           <a:xfrm>
-            <a:off x="5094941" y="3504044"/>
+            <a:off x="5082668" y="4384435"/>
             <a:ext cx="249382" cy="230909"/>
           </a:xfrm>
           <a:prstGeom prst="ellipse">
@@ -6838,7 +6843,7 @@
         </p:nvSpPr>
         <p:spPr>
           <a:xfrm>
-            <a:off x="4735986" y="3488209"/>
+            <a:off x="4723713" y="4368600"/>
             <a:ext cx="249382" cy="230909"/>
           </a:xfrm>
           <a:prstGeom prst="ellipse">
@@ -6887,7 +6892,7 @@
         </p:nvSpPr>
         <p:spPr>
           <a:xfrm>
-            <a:off x="6518734" y="3103459"/>
+            <a:off x="6506461" y="3983850"/>
             <a:ext cx="249382" cy="230909"/>
           </a:xfrm>
           <a:prstGeom prst="ellipse">
@@ -6936,7 +6941,7 @@
         </p:nvSpPr>
         <p:spPr>
           <a:xfrm>
-            <a:off x="6156100" y="3111521"/>
+            <a:off x="6143827" y="3991912"/>
             <a:ext cx="249382" cy="230909"/>
           </a:xfrm>
           <a:prstGeom prst="ellipse">
@@ -6985,7 +6990,7 @@
         </p:nvSpPr>
         <p:spPr>
           <a:xfrm>
-            <a:off x="5797145" y="3095686"/>
+            <a:off x="5784872" y="3976077"/>
             <a:ext cx="249382" cy="230909"/>
           </a:xfrm>
           <a:prstGeom prst="ellipse">
@@ -7034,7 +7039,7 @@
         </p:nvSpPr>
         <p:spPr>
           <a:xfrm>
-            <a:off x="3651882" y="3055252"/>
+            <a:off x="3639609" y="3935643"/>
             <a:ext cx="341760" cy="276999"/>
           </a:xfrm>
           <a:prstGeom prst="rect">
@@ -7073,7 +7078,7 @@
         </p:nvSpPr>
         <p:spPr>
           <a:xfrm>
-            <a:off x="4006837" y="3059901"/>
+            <a:off x="3994564" y="3940292"/>
             <a:ext cx="341760" cy="276999"/>
           </a:xfrm>
           <a:prstGeom prst="rect">
@@ -7112,7 +7117,7 @@
         </p:nvSpPr>
         <p:spPr>
           <a:xfrm>
-            <a:off x="4376283" y="3067963"/>
+            <a:off x="4364010" y="3948354"/>
             <a:ext cx="341760" cy="276999"/>
           </a:xfrm>
           <a:prstGeom prst="rect">
@@ -7151,7 +7156,7 @@
         </p:nvSpPr>
         <p:spPr>
           <a:xfrm>
-            <a:off x="5765899" y="3067399"/>
+            <a:off x="5753626" y="3947790"/>
             <a:ext cx="341760" cy="276999"/>
           </a:xfrm>
           <a:prstGeom prst="rect">
@@ -7190,7 +7195,7 @@
         </p:nvSpPr>
         <p:spPr>
           <a:xfrm>
-            <a:off x="6121873" y="3081464"/>
+            <a:off x="6109600" y="3961855"/>
             <a:ext cx="341760" cy="276999"/>
           </a:xfrm>
           <a:prstGeom prst="rect">
@@ -7229,7 +7234,7 @@
         </p:nvSpPr>
         <p:spPr>
           <a:xfrm>
-            <a:off x="6480882" y="3075172"/>
+            <a:off x="6468609" y="3955563"/>
             <a:ext cx="341760" cy="276999"/>
           </a:xfrm>
           <a:prstGeom prst="rect">
@@ -7268,7 +7273,7 @@
         </p:nvSpPr>
         <p:spPr>
           <a:xfrm>
-            <a:off x="4717362" y="3460486"/>
+            <a:off x="4705089" y="4340877"/>
             <a:ext cx="341760" cy="276999"/>
           </a:xfrm>
           <a:prstGeom prst="rect">
@@ -7307,7 +7312,7 @@
         </p:nvSpPr>
         <p:spPr>
           <a:xfrm>
-            <a:off x="5067667" y="3464170"/>
+            <a:off x="5055394" y="4344561"/>
             <a:ext cx="341760" cy="276999"/>
           </a:xfrm>
           <a:prstGeom prst="rect">
@@ -7346,7 +7351,7 @@
         </p:nvSpPr>
         <p:spPr>
           <a:xfrm>
-            <a:off x="5420672" y="3472937"/>
+            <a:off x="5408399" y="4353328"/>
             <a:ext cx="341760" cy="276999"/>
           </a:xfrm>
           <a:prstGeom prst="rect">
@@ -7385,7 +7390,7 @@
         </p:nvSpPr>
         <p:spPr>
           <a:xfrm>
-            <a:off x="718921" y="1938604"/>
+            <a:off x="706648" y="2818995"/>
             <a:ext cx="533241" cy="491943"/>
           </a:xfrm>
           <a:prstGeom prst="ellipse">
@@ -7418,7 +7423,7 @@
             <a:pPr algn="ctr"/>
             <a:r>
               <a:rPr lang="en-US" dirty="0"/>
-              <a:t>1</a:t>
+              <a:t>A</a:t>
             </a:r>
           </a:p>
         </p:txBody>
@@ -7437,7 +7442,7 @@
         </p:nvSpPr>
         <p:spPr>
           <a:xfrm>
-            <a:off x="1589994" y="1938604"/>
+            <a:off x="1577721" y="2818995"/>
             <a:ext cx="533241" cy="491943"/>
           </a:xfrm>
           <a:prstGeom prst="ellipse">
@@ -7470,7 +7475,7 @@
             <a:pPr algn="ctr"/>
             <a:r>
               <a:rPr lang="en-US" dirty="0"/>
-              <a:t>2</a:t>
+              <a:t>B</a:t>
             </a:r>
           </a:p>
         </p:txBody>
@@ -7489,7 +7494,7 @@
         </p:nvSpPr>
         <p:spPr>
           <a:xfrm>
-            <a:off x="2515931" y="1935812"/>
+            <a:off x="2503658" y="2816203"/>
             <a:ext cx="533241" cy="491943"/>
           </a:xfrm>
           <a:prstGeom prst="ellipse">
@@ -7522,7 +7527,7 @@
             <a:pPr algn="ctr"/>
             <a:r>
               <a:rPr lang="en-US" dirty="0"/>
-              <a:t>3</a:t>
+              <a:t>C</a:t>
             </a:r>
           </a:p>
         </p:txBody>
@@ -7541,7 +7546,7 @@
         </p:nvSpPr>
         <p:spPr>
           <a:xfrm>
-            <a:off x="3779975" y="1935998"/>
+            <a:off x="3767702" y="2816389"/>
             <a:ext cx="533241" cy="491943"/>
           </a:xfrm>
           <a:prstGeom prst="ellipse">
@@ -7574,7 +7579,7 @@
             <a:pPr algn="ctr"/>
             <a:r>
               <a:rPr lang="en-US" dirty="0"/>
-              <a:t>6</a:t>
+              <a:t>D</a:t>
             </a:r>
           </a:p>
         </p:txBody>
@@ -7593,7 +7598,7 @@
         </p:nvSpPr>
         <p:spPr>
           <a:xfrm>
-            <a:off x="4754140" y="1934529"/>
+            <a:off x="4741867" y="2814920"/>
             <a:ext cx="533241" cy="491943"/>
           </a:xfrm>
           <a:prstGeom prst="ellipse">
@@ -7626,7 +7631,7 @@
             <a:pPr algn="ctr"/>
             <a:r>
               <a:rPr lang="en-US" dirty="0"/>
-              <a:t>4</a:t>
+              <a:t>E</a:t>
             </a:r>
           </a:p>
         </p:txBody>
@@ -7645,7 +7650,7 @@
         </p:nvSpPr>
         <p:spPr>
           <a:xfrm>
-            <a:off x="5676424" y="1922048"/>
+            <a:off x="5664151" y="2802439"/>
             <a:ext cx="533241" cy="491943"/>
           </a:xfrm>
           <a:prstGeom prst="ellipse">
@@ -7678,7 +7683,7 @@
             <a:pPr algn="ctr"/>
             <a:r>
               <a:rPr lang="en-US" dirty="0"/>
-              <a:t>5</a:t>
+              <a:t>F</a:t>
             </a:r>
           </a:p>
         </p:txBody>
@@ -7697,7 +7702,7 @@
         </p:nvSpPr>
         <p:spPr>
           <a:xfrm>
-            <a:off x="1807775" y="616842"/>
+            <a:off x="1795502" y="1497233"/>
             <a:ext cx="676555" cy="652999"/>
           </a:xfrm>
           <a:prstGeom prst="ellipse">
@@ -7729,8 +7734,12 @@
           <a:p>
             <a:pPr algn="ctr"/>
             <a:r>
-              <a:rPr lang="en-US" dirty="0"/>
-              <a:t>1</a:t>
+              <a:rPr lang="en-US" dirty="0">
+                <a:solidFill>
+                  <a:schemeClr val="tx1"/>
+                </a:solidFill>
+              </a:rPr>
+              <a:t>X</a:t>
             </a:r>
           </a:p>
         </p:txBody>
@@ -7749,7 +7758,7 @@
         </p:nvSpPr>
         <p:spPr>
           <a:xfrm>
-            <a:off x="4667768" y="604340"/>
+            <a:off x="4655495" y="1484731"/>
             <a:ext cx="676555" cy="652999"/>
           </a:xfrm>
           <a:prstGeom prst="ellipse">
@@ -7781,8 +7790,12 @@
           <a:p>
             <a:pPr algn="ctr"/>
             <a:r>
-              <a:rPr lang="en-US" dirty="0"/>
-              <a:t>2</a:t>
+              <a:rPr lang="en-US" dirty="0">
+                <a:solidFill>
+                  <a:schemeClr val="tx1"/>
+                </a:solidFill>
+              </a:rPr>
+              <a:t>Y</a:t>
             </a:r>
           </a:p>
         </p:txBody>
@@ -7804,7 +7817,7 @@
         </p:nvCxnSpPr>
         <p:spPr>
           <a:xfrm flipV="1">
-            <a:off x="2484330" y="930840"/>
+            <a:off x="2472057" y="1811231"/>
             <a:ext cx="2183438" cy="12502"/>
           </a:xfrm>
           <a:prstGeom prst="line">
@@ -7844,7 +7857,7 @@
         </p:nvCxnSpPr>
         <p:spPr>
           <a:xfrm>
-            <a:off x="1252162" y="2184576"/>
+            <a:off x="1239889" y="3064967"/>
             <a:ext cx="337832" cy="0"/>
           </a:xfrm>
           <a:prstGeom prst="line">
@@ -7884,7 +7897,7 @@
         </p:nvCxnSpPr>
         <p:spPr>
           <a:xfrm flipV="1">
-            <a:off x="2123235" y="2181784"/>
+            <a:off x="2110962" y="3062175"/>
             <a:ext cx="392696" cy="2792"/>
           </a:xfrm>
           <a:prstGeom prst="line">
@@ -7924,7 +7937,7 @@
         </p:nvCxnSpPr>
         <p:spPr>
           <a:xfrm flipV="1">
-            <a:off x="4313216" y="2180501"/>
+            <a:off x="4300943" y="3060892"/>
             <a:ext cx="440924" cy="1469"/>
           </a:xfrm>
           <a:prstGeom prst="line">
@@ -7964,7 +7977,7 @@
         </p:nvCxnSpPr>
         <p:spPr>
           <a:xfrm flipV="1">
-            <a:off x="5287381" y="2168020"/>
+            <a:off x="5275108" y="3048411"/>
             <a:ext cx="389043" cy="12481"/>
           </a:xfrm>
           <a:prstGeom prst="line">
@@ -8004,7 +8017,7 @@
         </p:nvCxnSpPr>
         <p:spPr>
           <a:xfrm>
-            <a:off x="365802" y="3586835"/>
+            <a:off x="353529" y="4467226"/>
             <a:ext cx="109573" cy="15835"/>
           </a:xfrm>
           <a:prstGeom prst="line">
@@ -8044,7 +8057,7 @@
         </p:nvCxnSpPr>
         <p:spPr>
           <a:xfrm flipV="1">
-            <a:off x="724757" y="3594608"/>
+            <a:off x="712484" y="4474999"/>
             <a:ext cx="113252" cy="8062"/>
           </a:xfrm>
           <a:prstGeom prst="line">
@@ -8084,7 +8097,7 @@
         </p:nvCxnSpPr>
         <p:spPr>
           <a:xfrm>
-            <a:off x="1442753" y="3218914"/>
+            <a:off x="1430480" y="4099305"/>
             <a:ext cx="109573" cy="15835"/>
           </a:xfrm>
           <a:prstGeom prst="line">
@@ -8124,7 +8137,7 @@
         </p:nvCxnSpPr>
         <p:spPr>
           <a:xfrm flipV="1">
-            <a:off x="1801708" y="3226687"/>
+            <a:off x="1789435" y="4107078"/>
             <a:ext cx="113252" cy="8062"/>
           </a:xfrm>
           <a:prstGeom prst="line">
@@ -8164,7 +8177,7 @@
         </p:nvCxnSpPr>
         <p:spPr>
           <a:xfrm>
-            <a:off x="2469089" y="3591704"/>
+            <a:off x="2456816" y="4472095"/>
             <a:ext cx="109573" cy="15835"/>
           </a:xfrm>
           <a:prstGeom prst="line">
@@ -8204,7 +8217,7 @@
         </p:nvCxnSpPr>
         <p:spPr>
           <a:xfrm flipV="1">
-            <a:off x="2828044" y="3599477"/>
+            <a:off x="2815771" y="4479868"/>
             <a:ext cx="113252" cy="8062"/>
           </a:xfrm>
           <a:prstGeom prst="line">
@@ -8244,7 +8257,7 @@
         </p:nvCxnSpPr>
         <p:spPr>
           <a:xfrm>
-            <a:off x="3925050" y="3211141"/>
+            <a:off x="3912777" y="4091532"/>
             <a:ext cx="109573" cy="15835"/>
           </a:xfrm>
           <a:prstGeom prst="line">
@@ -8284,7 +8297,7 @@
         </p:nvCxnSpPr>
         <p:spPr>
           <a:xfrm flipV="1">
-            <a:off x="4284005" y="3218914"/>
+            <a:off x="4271732" y="4099305"/>
             <a:ext cx="113252" cy="8062"/>
           </a:xfrm>
           <a:prstGeom prst="line">
@@ -8324,7 +8337,7 @@
         </p:nvCxnSpPr>
         <p:spPr>
           <a:xfrm>
-            <a:off x="4985368" y="3603664"/>
+            <a:off x="4973095" y="4484055"/>
             <a:ext cx="109573" cy="15835"/>
           </a:xfrm>
           <a:prstGeom prst="line">
@@ -8364,7 +8377,7 @@
         </p:nvCxnSpPr>
         <p:spPr>
           <a:xfrm flipV="1">
-            <a:off x="5344323" y="3611437"/>
+            <a:off x="5332050" y="4491828"/>
             <a:ext cx="113252" cy="8062"/>
           </a:xfrm>
           <a:prstGeom prst="line">
@@ -8404,7 +8417,7 @@
         </p:nvCxnSpPr>
         <p:spPr>
           <a:xfrm>
-            <a:off x="6046527" y="3211141"/>
+            <a:off x="6034254" y="4091532"/>
             <a:ext cx="109573" cy="15835"/>
           </a:xfrm>
           <a:prstGeom prst="line">
@@ -8444,7 +8457,7 @@
         </p:nvCxnSpPr>
         <p:spPr>
           <a:xfrm flipV="1">
-            <a:off x="6405482" y="3218914"/>
+            <a:off x="6393209" y="4099305"/>
             <a:ext cx="113252" cy="8062"/>
           </a:xfrm>
           <a:prstGeom prst="line">
@@ -8484,12 +8497,12 @@
         </p:nvCxnSpPr>
         <p:spPr>
           <a:xfrm rot="5400000" flipH="1" flipV="1">
-            <a:off x="3891552" y="-112889"/>
+            <a:off x="3879279" y="767502"/>
             <a:ext cx="16556" cy="4086430"/>
           </a:xfrm>
           <a:prstGeom prst="curvedConnector3">
             <a:avLst>
-              <a:gd name="adj1" fmla="val 1480768"/>
+              <a:gd name="adj1" fmla="val 2317595"/>
             </a:avLst>
           </a:prstGeom>
           <a:ln w="38100"/>
@@ -8526,7 +8539,7 @@
         </p:nvCxnSpPr>
         <p:spPr>
           <a:xfrm rot="5400000" flipH="1" flipV="1">
-            <a:off x="1652097" y="3017761"/>
+            <a:off x="1639824" y="3898152"/>
             <a:ext cx="2904" cy="1381698"/>
           </a:xfrm>
           <a:prstGeom prst="curvedConnector3">
@@ -8568,7 +8581,7 @@
         </p:nvCxnSpPr>
         <p:spPr>
           <a:xfrm rot="5400000" flipH="1" flipV="1">
-            <a:off x="767186" y="2936339"/>
+            <a:off x="754913" y="3816730"/>
             <a:ext cx="383756" cy="717996"/>
           </a:xfrm>
           <a:prstGeom prst="curvedConnector3">
@@ -8610,7 +8623,7 @@
         </p:nvCxnSpPr>
         <p:spPr>
           <a:xfrm rot="16200000" flipH="1">
-            <a:off x="2181076" y="2969807"/>
+            <a:off x="2168803" y="3850198"/>
             <a:ext cx="380852" cy="663702"/>
           </a:xfrm>
           <a:prstGeom prst="curvedConnector3">
@@ -8652,7 +8665,7 @@
         </p:nvCxnSpPr>
         <p:spPr>
           <a:xfrm rot="16200000" flipH="1">
-            <a:off x="4134256" y="2761788"/>
+            <a:off x="4121983" y="3642179"/>
             <a:ext cx="392523" cy="1060318"/>
           </a:xfrm>
           <a:prstGeom prst="curvedConnector3">
@@ -8694,7 +8707,7 @@
         </p:nvCxnSpPr>
         <p:spPr>
           <a:xfrm rot="5400000" flipH="1" flipV="1">
-            <a:off x="5220052" y="2050783"/>
+            <a:off x="5207779" y="2931174"/>
             <a:ext cx="12700" cy="2121477"/>
           </a:xfrm>
           <a:prstGeom prst="curvedConnector3">
@@ -8736,7 +8749,7 @@
         </p:nvCxnSpPr>
         <p:spPr>
           <a:xfrm rot="5400000" flipH="1" flipV="1">
-            <a:off x="5366555" y="3179672"/>
+            <a:off x="5354282" y="4060063"/>
             <a:ext cx="408358" cy="702204"/>
           </a:xfrm>
           <a:prstGeom prst="curvedConnector3">
@@ -8778,7 +8791,7 @@
         </p:nvCxnSpPr>
         <p:spPr>
           <a:xfrm rot="5400000" flipH="1" flipV="1">
-            <a:off x="1882651" y="1530646"/>
+            <a:off x="1870378" y="2411037"/>
             <a:ext cx="2792" cy="1797010"/>
           </a:xfrm>
           <a:prstGeom prst="curvedConnector3">
@@ -8821,7 +8834,7 @@
         </p:nvCxnSpPr>
         <p:spPr>
           <a:xfrm rot="5400000" flipH="1" flipV="1">
-            <a:off x="4987845" y="1472741"/>
+            <a:off x="4975572" y="2353132"/>
             <a:ext cx="13950" cy="1896449"/>
           </a:xfrm>
           <a:prstGeom prst="curvedConnector3">
@@ -8846,6 +8859,334 @@
           </a:fontRef>
         </p:style>
       </p:cxnSp>
+      <p:cxnSp>
+        <p:nvCxnSpPr>
+          <p:cNvPr id="7" name="Connector: Curved 6">
+            <a:extLst>
+              <a:ext uri="{FF2B5EF4-FFF2-40B4-BE49-F238E27FC236}">
+                <a16:creationId xmlns:a16="http://schemas.microsoft.com/office/drawing/2014/main" id="{8ABAF961-8A9E-522E-42F2-62E9AEE8745C}"/>
+              </a:ext>
+            </a:extLst>
+          </p:cNvPr>
+          <p:cNvCxnSpPr>
+            <a:stCxn id="149" idx="5"/>
+            <a:endCxn id="147" idx="4"/>
+          </p:cNvCxnSpPr>
+          <p:nvPr/>
+        </p:nvCxnSpPr>
+        <p:spPr>
+          <a:xfrm rot="16200000" flipH="1">
+            <a:off x="612923" y="4252948"/>
+            <a:ext cx="41589" cy="633419"/>
+          </a:xfrm>
+          <a:prstGeom prst="curvedConnector3">
+            <a:avLst>
+              <a:gd name="adj1" fmla="val 649665"/>
+            </a:avLst>
+          </a:prstGeom>
+          <a:ln w="19050"/>
+        </p:spPr>
+        <p:style>
+          <a:lnRef idx="1">
+            <a:schemeClr val="dk1"/>
+          </a:lnRef>
+          <a:fillRef idx="0">
+            <a:schemeClr val="dk1"/>
+          </a:fillRef>
+          <a:effectRef idx="0">
+            <a:schemeClr val="dk1"/>
+          </a:effectRef>
+          <a:fontRef idx="minor">
+            <a:schemeClr val="tx1"/>
+          </a:fontRef>
+        </p:style>
+      </p:cxnSp>
+      <p:cxnSp>
+        <p:nvCxnSpPr>
+          <p:cNvPr id="9" name="Connector: Curved 8">
+            <a:extLst>
+              <a:ext uri="{FF2B5EF4-FFF2-40B4-BE49-F238E27FC236}">
+                <a16:creationId xmlns:a16="http://schemas.microsoft.com/office/drawing/2014/main" id="{C5960384-50DE-4ACC-DF39-BB7D9022488D}"/>
+              </a:ext>
+            </a:extLst>
+          </p:cNvPr>
+          <p:cNvCxnSpPr>
+            <a:cxnSpLocks/>
+            <a:stCxn id="155" idx="4"/>
+            <a:endCxn id="153" idx="4"/>
+          </p:cNvCxnSpPr>
+          <p:nvPr/>
+        </p:nvCxnSpPr>
+        <p:spPr>
+          <a:xfrm rot="16200000" flipH="1">
+            <a:off x="1662697" y="3857850"/>
+            <a:ext cx="7773" cy="721589"/>
+          </a:xfrm>
+          <a:prstGeom prst="curvedConnector3">
+            <a:avLst>
+              <a:gd name="adj1" fmla="val 3040949"/>
+            </a:avLst>
+          </a:prstGeom>
+          <a:ln w="19050"/>
+        </p:spPr>
+        <p:style>
+          <a:lnRef idx="1">
+            <a:schemeClr val="dk1"/>
+          </a:lnRef>
+          <a:fillRef idx="0">
+            <a:schemeClr val="dk1"/>
+          </a:fillRef>
+          <a:effectRef idx="0">
+            <a:schemeClr val="dk1"/>
+          </a:effectRef>
+          <a:fontRef idx="minor">
+            <a:schemeClr val="tx1"/>
+          </a:fontRef>
+        </p:style>
+      </p:cxnSp>
+      <p:cxnSp>
+        <p:nvCxnSpPr>
+          <p:cNvPr id="13" name="Connector: Curved 12">
+            <a:extLst>
+              <a:ext uri="{FF2B5EF4-FFF2-40B4-BE49-F238E27FC236}">
+                <a16:creationId xmlns:a16="http://schemas.microsoft.com/office/drawing/2014/main" id="{FF81D7D2-CDD6-9463-4D72-FCE2156C7AF3}"/>
+              </a:ext>
+            </a:extLst>
+          </p:cNvPr>
+          <p:cNvCxnSpPr>
+            <a:cxnSpLocks/>
+            <a:stCxn id="158" idx="4"/>
+            <a:endCxn id="156" idx="4"/>
+          </p:cNvCxnSpPr>
+          <p:nvPr/>
+        </p:nvCxnSpPr>
+        <p:spPr>
+          <a:xfrm rot="16200000" flipH="1">
+            <a:off x="2689033" y="4230640"/>
+            <a:ext cx="7773" cy="721589"/>
+          </a:xfrm>
+          <a:prstGeom prst="curvedConnector3">
+            <a:avLst>
+              <a:gd name="adj1" fmla="val 3040949"/>
+            </a:avLst>
+          </a:prstGeom>
+          <a:ln w="19050"/>
+        </p:spPr>
+        <p:style>
+          <a:lnRef idx="1">
+            <a:schemeClr val="dk1"/>
+          </a:lnRef>
+          <a:fillRef idx="0">
+            <a:schemeClr val="dk1"/>
+          </a:fillRef>
+          <a:effectRef idx="0">
+            <a:schemeClr val="dk1"/>
+          </a:effectRef>
+          <a:fontRef idx="minor">
+            <a:schemeClr val="tx1"/>
+          </a:fontRef>
+        </p:style>
+      </p:cxnSp>
+      <p:cxnSp>
+        <p:nvCxnSpPr>
+          <p:cNvPr id="18" name="Connector: Curved 17">
+            <a:extLst>
+              <a:ext uri="{FF2B5EF4-FFF2-40B4-BE49-F238E27FC236}">
+                <a16:creationId xmlns:a16="http://schemas.microsoft.com/office/drawing/2014/main" id="{17E00B36-3D7B-6380-FDF1-828257975B09}"/>
+              </a:ext>
+            </a:extLst>
+          </p:cNvPr>
+          <p:cNvCxnSpPr>
+            <a:cxnSpLocks/>
+            <a:stCxn id="174" idx="2"/>
+            <a:endCxn id="176" idx="2"/>
+          </p:cNvCxnSpPr>
+          <p:nvPr/>
+        </p:nvCxnSpPr>
+        <p:spPr>
+          <a:xfrm rot="16200000" flipH="1">
+            <a:off x="5221399" y="4272446"/>
+            <a:ext cx="12451" cy="703310"/>
+          </a:xfrm>
+          <a:prstGeom prst="curvedConnector3">
+            <a:avLst>
+              <a:gd name="adj1" fmla="val 1194177"/>
+            </a:avLst>
+          </a:prstGeom>
+          <a:ln w="19050"/>
+        </p:spPr>
+        <p:style>
+          <a:lnRef idx="1">
+            <a:schemeClr val="dk1"/>
+          </a:lnRef>
+          <a:fillRef idx="0">
+            <a:schemeClr val="dk1"/>
+          </a:fillRef>
+          <a:effectRef idx="0">
+            <a:schemeClr val="dk1"/>
+          </a:effectRef>
+          <a:fontRef idx="minor">
+            <a:schemeClr val="tx1"/>
+          </a:fontRef>
+        </p:style>
+      </p:cxnSp>
+      <p:cxnSp>
+        <p:nvCxnSpPr>
+          <p:cNvPr id="67" name="Connector: Curved 66">
+            <a:extLst>
+              <a:ext uri="{FF2B5EF4-FFF2-40B4-BE49-F238E27FC236}">
+                <a16:creationId xmlns:a16="http://schemas.microsoft.com/office/drawing/2014/main" id="{41A3EFA6-7C58-6A0D-51D3-269F2E91E33A}"/>
+              </a:ext>
+            </a:extLst>
+          </p:cNvPr>
+          <p:cNvCxnSpPr>
+            <a:cxnSpLocks/>
+            <a:stCxn id="168" idx="2"/>
+            <a:endCxn id="170" idx="2"/>
+          </p:cNvCxnSpPr>
+          <p:nvPr/>
+        </p:nvCxnSpPr>
+        <p:spPr>
+          <a:xfrm rot="16200000" flipH="1">
+            <a:off x="4166334" y="3856796"/>
+            <a:ext cx="12711" cy="724401"/>
+          </a:xfrm>
+          <a:prstGeom prst="curvedConnector3">
+            <a:avLst>
+              <a:gd name="adj1" fmla="val 1898442"/>
+            </a:avLst>
+          </a:prstGeom>
+          <a:ln w="19050"/>
+        </p:spPr>
+        <p:style>
+          <a:lnRef idx="1">
+            <a:schemeClr val="dk1"/>
+          </a:lnRef>
+          <a:fillRef idx="0">
+            <a:schemeClr val="dk1"/>
+          </a:fillRef>
+          <a:effectRef idx="0">
+            <a:schemeClr val="dk1"/>
+          </a:effectRef>
+          <a:fontRef idx="minor">
+            <a:schemeClr val="tx1"/>
+          </a:fontRef>
+        </p:style>
+      </p:cxnSp>
+      <p:cxnSp>
+        <p:nvCxnSpPr>
+          <p:cNvPr id="70" name="Connector: Curved 69">
+            <a:extLst>
+              <a:ext uri="{FF2B5EF4-FFF2-40B4-BE49-F238E27FC236}">
+                <a16:creationId xmlns:a16="http://schemas.microsoft.com/office/drawing/2014/main" id="{B1207265-CAEC-0CE2-6B9B-98105D4CC08A}"/>
+              </a:ext>
+            </a:extLst>
+          </p:cNvPr>
+          <p:cNvCxnSpPr>
+            <a:cxnSpLocks/>
+            <a:stCxn id="171" idx="2"/>
+            <a:endCxn id="173" idx="2"/>
+          </p:cNvCxnSpPr>
+          <p:nvPr/>
+        </p:nvCxnSpPr>
+        <p:spPr>
+          <a:xfrm rot="16200000" flipH="1">
+            <a:off x="6278111" y="3871183"/>
+            <a:ext cx="7773" cy="714983"/>
+          </a:xfrm>
+          <a:prstGeom prst="curvedConnector3">
+            <a:avLst>
+              <a:gd name="adj1" fmla="val 3040949"/>
+            </a:avLst>
+          </a:prstGeom>
+          <a:ln w="19050"/>
+        </p:spPr>
+        <p:style>
+          <a:lnRef idx="1">
+            <a:schemeClr val="dk1"/>
+          </a:lnRef>
+          <a:fillRef idx="0">
+            <a:schemeClr val="dk1"/>
+          </a:fillRef>
+          <a:effectRef idx="0">
+            <a:schemeClr val="dk1"/>
+          </a:effectRef>
+          <a:fontRef idx="minor">
+            <a:schemeClr val="tx1"/>
+          </a:fontRef>
+        </p:style>
+      </p:cxnSp>
+      <p:sp>
+        <p:nvSpPr>
+          <p:cNvPr id="73" name="TextBox 72">
+            <a:extLst>
+              <a:ext uri="{FF2B5EF4-FFF2-40B4-BE49-F238E27FC236}">
+                <a16:creationId xmlns:a16="http://schemas.microsoft.com/office/drawing/2014/main" id="{9AA0FDF7-1A55-0C2E-A4F2-2B72A63FB1F7}"/>
+              </a:ext>
+            </a:extLst>
+          </p:cNvPr>
+          <p:cNvSpPr txBox="1"/>
+          <p:nvPr/>
+        </p:nvSpPr>
+        <p:spPr>
+          <a:xfrm>
+            <a:off x="464226" y="837716"/>
+            <a:ext cx="736292" cy="646331"/>
+          </a:xfrm>
+          <a:prstGeom prst="rect">
+            <a:avLst/>
+          </a:prstGeom>
+          <a:noFill/>
+        </p:spPr>
+        <p:txBody>
+          <a:bodyPr wrap="none" rtlCol="0">
+            <a:spAutoFit/>
+          </a:bodyPr>
+          <a:lstStyle/>
+          <a:p>
+            <a:r>
+              <a:rPr lang="en-US" sz="3600" b="1"/>
+              <a:t>A.)</a:t>
+            </a:r>
+            <a:endParaRPr lang="en-US" sz="3600" b="1" dirty="0"/>
+          </a:p>
+        </p:txBody>
+      </p:sp>
+      <p:sp>
+        <p:nvSpPr>
+          <p:cNvPr id="74" name="TextBox 73">
+            <a:extLst>
+              <a:ext uri="{FF2B5EF4-FFF2-40B4-BE49-F238E27FC236}">
+                <a16:creationId xmlns:a16="http://schemas.microsoft.com/office/drawing/2014/main" id="{361E180C-15B4-A694-C193-43038EC080EB}"/>
+              </a:ext>
+            </a:extLst>
+          </p:cNvPr>
+          <p:cNvSpPr txBox="1"/>
+          <p:nvPr/>
+        </p:nvSpPr>
+        <p:spPr>
+          <a:xfrm>
+            <a:off x="7105998" y="828052"/>
+            <a:ext cx="710451" cy="646331"/>
+          </a:xfrm>
+          <a:prstGeom prst="rect">
+            <a:avLst/>
+          </a:prstGeom>
+          <a:noFill/>
+        </p:spPr>
+        <p:txBody>
+          <a:bodyPr wrap="none" rtlCol="0">
+            <a:spAutoFit/>
+          </a:bodyPr>
+          <a:lstStyle/>
+          <a:p>
+            <a:r>
+              <a:rPr lang="en-US" sz="3600" b="1" dirty="0"/>
+              <a:t>B.)</a:t>
+            </a:r>
+          </a:p>
+        </p:txBody>
+      </p:sp>
     </p:spTree>
     <p:extLst>
       <p:ext uri="{BB962C8B-B14F-4D97-AF65-F5344CB8AC3E}">
@@ -8876,8 +9217,8 @@
           <a:chExt cx="0" cy="0"/>
         </a:xfrm>
       </p:grpSpPr>
-      <mc:AlternateContent xmlns:mc="http://schemas.openxmlformats.org/markup-compatibility/2006">
-        <mc:Choice xmlns:a14="http://schemas.microsoft.com/office/drawing/2010/main" Requires="a14">
+      <mc:AlternateContent xmlns:mc="http://schemas.openxmlformats.org/markup-compatibility/2006" xmlns:a14="http://schemas.microsoft.com/office/drawing/2010/main">
+        <mc:Choice Requires="a14">
           <p:sp>
             <p:nvSpPr>
               <p:cNvPr id="2" name="TextBox 1">
@@ -8924,6 +9265,7 @@
                 <a:endParaRPr lang="en-US" dirty="0"/>
               </a:p>
               <a:p>
+                <a:pPr/>
                 <a14:m>
                   <m:oMathPara xmlns:m="http://schemas.openxmlformats.org/officeDocument/2006/math">
                     <m:oMathParaPr>
@@ -8960,13 +9302,7 @@
                                 <a:rPr lang="en-US" b="0" i="1" smtClean="0">
                                   <a:latin typeface="Cambria Math" panose="02040503050406030204" pitchFamily="18" charset="0"/>
                                 </a:rPr>
-                                <m:t>2</m:t>
-                              </m:r>
-                              <m:r>
-                                <a:rPr lang="en-US" b="0" i="1" smtClean="0">
-                                  <a:latin typeface="Cambria Math" panose="02040503050406030204" pitchFamily="18" charset="0"/>
-                                </a:rPr>
-                                <m:t>×3</m:t>
+                                <m:t>2×3</m:t>
                               </m:r>
                             </m:num>
                             <m:den>
@@ -8974,13 +9310,7 @@
                                 <a:rPr lang="en-US" b="0" i="1" smtClean="0">
                                   <a:latin typeface="Cambria Math" panose="02040503050406030204" pitchFamily="18" charset="0"/>
                                 </a:rPr>
-                                <m:t>2</m:t>
-                              </m:r>
-                              <m:r>
-                                <a:rPr lang="en-US" b="0" i="1" smtClean="0">
-                                  <a:latin typeface="Cambria Math" panose="02040503050406030204" pitchFamily="18" charset="0"/>
-                                </a:rPr>
-                                <m:t>×25</m:t>
+                                <m:t>2×25</m:t>
                               </m:r>
                             </m:den>
                           </m:f>
@@ -9029,13 +9359,7 @@
                                         <a:rPr lang="en-US" b="0" i="1" smtClean="0">
                                           <a:latin typeface="Cambria Math" panose="02040503050406030204" pitchFamily="18" charset="0"/>
                                         </a:rPr>
-                                        <m:t>2</m:t>
-                                      </m:r>
-                                      <m:r>
-                                        <a:rPr lang="en-US" b="0" i="1" smtClean="0">
-                                          <a:latin typeface="Cambria Math" panose="02040503050406030204" pitchFamily="18" charset="0"/>
-                                        </a:rPr>
-                                        <m:t>×25</m:t>
+                                        <m:t>2×25</m:t>
                                       </m:r>
                                     </m:den>
                                   </m:f>
@@ -9057,13 +9381,7 @@
                         <a:rPr lang="en-US" b="0" i="1" smtClean="0">
                           <a:latin typeface="Cambria Math" panose="02040503050406030204" pitchFamily="18" charset="0"/>
                         </a:rPr>
-                        <m:t>=</m:t>
-                      </m:r>
-                      <m:r>
-                        <a:rPr lang="en-US" b="0" i="1" smtClean="0">
-                          <a:latin typeface="Cambria Math" panose="02040503050406030204" pitchFamily="18" charset="0"/>
-                        </a:rPr>
-                        <m:t>4×</m:t>
+                        <m:t>=4×</m:t>
                       </m:r>
                       <m:d>
                         <m:dPr>
@@ -9188,6 +9506,7 @@
                 <a:endParaRPr lang="en-US" dirty="0"/>
               </a:p>
               <a:p>
+                <a:pPr/>
                 <a14:m>
                   <m:oMathPara xmlns:m="http://schemas.openxmlformats.org/officeDocument/2006/math">
                     <m:oMathParaPr>
@@ -9279,13 +9598,7 @@
                                         <a:rPr lang="en-US" b="0" i="1" smtClean="0">
                                           <a:latin typeface="Cambria Math" panose="02040503050406030204" pitchFamily="18" charset="0"/>
                                         </a:rPr>
-                                        <m:t>3+3+</m:t>
-                                      </m:r>
-                                      <m:r>
-                                        <a:rPr lang="en-US" b="0" i="1" smtClean="0">
-                                          <a:latin typeface="Cambria Math" panose="02040503050406030204" pitchFamily="18" charset="0"/>
-                                        </a:rPr>
-                                        <m:t>3</m:t>
+                                        <m:t>3+3+3</m:t>
                                       </m:r>
                                     </m:num>
                                     <m:den>
@@ -9315,19 +9628,7 @@
                         <a:rPr lang="en-US" b="0" i="1" smtClean="0">
                           <a:latin typeface="Cambria Math" panose="02040503050406030204" pitchFamily="18" charset="0"/>
                         </a:rPr>
-                        <m:t>=</m:t>
-                      </m:r>
-                      <m:r>
-                        <a:rPr lang="en-US" b="0" i="1" smtClean="0">
-                          <a:latin typeface="Cambria Math" panose="02040503050406030204" pitchFamily="18" charset="0"/>
-                        </a:rPr>
-                        <m:t>2</m:t>
-                      </m:r>
-                      <m:r>
-                        <a:rPr lang="en-US" b="0" i="1" smtClean="0">
-                          <a:latin typeface="Cambria Math" panose="02040503050406030204" pitchFamily="18" charset="0"/>
-                        </a:rPr>
-                        <m:t>×</m:t>
+                        <m:t>=2×</m:t>
                       </m:r>
                       <m:d>
                         <m:dPr>
@@ -9432,37 +9733,7 @@
                         <a:rPr lang="en-US" b="0" i="1" smtClean="0">
                           <a:latin typeface="Cambria Math" panose="02040503050406030204" pitchFamily="18" charset="0"/>
                         </a:rPr>
-                        <m:t>=</m:t>
-                      </m:r>
-                      <m:r>
-                        <a:rPr lang="en-US" b="0" i="1" smtClean="0">
-                          <a:latin typeface="Cambria Math" panose="02040503050406030204" pitchFamily="18" charset="0"/>
-                        </a:rPr>
-                        <m:t>2</m:t>
-                      </m:r>
-                      <m:r>
-                        <a:rPr lang="en-US" b="0" i="1" smtClean="0">
-                          <a:latin typeface="Cambria Math" panose="02040503050406030204" pitchFamily="18" charset="0"/>
-                        </a:rPr>
-                        <m:t>×0.0</m:t>
-                      </m:r>
-                      <m:r>
-                        <a:rPr lang="en-US" b="0" i="1" smtClean="0">
-                          <a:latin typeface="Cambria Math" panose="02040503050406030204" pitchFamily="18" charset="0"/>
-                        </a:rPr>
-                        <m:t>876</m:t>
-                      </m:r>
-                      <m:r>
-                        <a:rPr lang="en-US" b="0" i="1" smtClean="0">
-                          <a:latin typeface="Cambria Math" panose="02040503050406030204" pitchFamily="18" charset="0"/>
-                        </a:rPr>
-                        <m:t>=0.</m:t>
-                      </m:r>
-                      <m:r>
-                        <a:rPr lang="en-US" b="0" i="1" smtClean="0">
-                          <a:latin typeface="Cambria Math" panose="02040503050406030204" pitchFamily="18" charset="0"/>
-                        </a:rPr>
-                        <m:t>1752</m:t>
+                        <m:t>=2×0.0876=0.1752</m:t>
                       </m:r>
                     </m:oMath>
                   </m:oMathPara>
@@ -9647,19 +9918,7 @@
                         <a:rPr lang="en-US" b="0" i="1" smtClean="0">
                           <a:latin typeface="Cambria Math" panose="02040503050406030204" pitchFamily="18" charset="0"/>
                         </a:rPr>
-                        <m:t>=</m:t>
-                      </m:r>
-                      <m:r>
-                        <a:rPr lang="en-US" b="0" i="1" smtClean="0">
-                          <a:latin typeface="Cambria Math" panose="02040503050406030204" pitchFamily="18" charset="0"/>
-                        </a:rPr>
-                        <m:t>2</m:t>
-                      </m:r>
-                      <m:r>
-                        <a:rPr lang="en-US" b="0" i="1" smtClean="0">
-                          <a:latin typeface="Cambria Math" panose="02040503050406030204" pitchFamily="18" charset="0"/>
-                        </a:rPr>
-                        <m:t>×</m:t>
+                        <m:t>=2×</m:t>
                       </m:r>
                       <m:d>
                         <m:dPr>
@@ -9777,7 +10036,7 @@
             </p:txBody>
           </p:sp>
         </mc:Choice>
-        <mc:Fallback>
+        <mc:Fallback xmlns="">
           <p:sp>
             <p:nvSpPr>
               <p:cNvPr id="2" name="TextBox 1">
